--- a/seminar.pptx
+++ b/seminar.pptx
@@ -127,11 +127,40 @@
       </a:defRPr>
     </a:lvl9pPr>
   </p:defaultTextStyle>
+  <p:extLst>
+    <p:ext uri="{EFAFB233-063F-42B5-8137-9DF3F51BA10A}">
+      <p15:sldGuideLst xmlns:p15="http://schemas.microsoft.com/office/powerpoint/2012/main"/>
+    </p:ext>
+  </p:extLst>
 </p:presentation>
 </file>
 
 <file path=ppt/changesInfos/changesInfo1.xml><?xml version="1.0" encoding="utf-8"?>
 <pc:chgInfo xmlns:a="http://schemas.openxmlformats.org/drawingml/2006/main" xmlns:r="http://schemas.openxmlformats.org/officeDocument/2006/relationships" xmlns:ac="http://schemas.microsoft.com/office/drawing/2013/main/command" xmlns:pc="http://schemas.microsoft.com/office/powerpoint/2013/main/command">
+  <pc:docChgLst>
+    <pc:chgData name="Mark Shelton" userId="4ffce2ed1cf6c3ec" providerId="LiveId" clId="{6DD0A6CE-ED5A-4EEF-A442-1FE2F41D9C35}"/>
+    <pc:docChg chg="undo custSel modSld">
+      <pc:chgData name="Mark Shelton" userId="4ffce2ed1cf6c3ec" providerId="LiveId" clId="{6DD0A6CE-ED5A-4EEF-A442-1FE2F41D9C35}" dt="2017-11-09T11:23:38.763" v="89" actId="20577"/>
+      <pc:docMkLst>
+        <pc:docMk/>
+      </pc:docMkLst>
+      <pc:sldChg chg="modSp">
+        <pc:chgData name="Mark Shelton" userId="4ffce2ed1cf6c3ec" providerId="LiveId" clId="{6DD0A6CE-ED5A-4EEF-A442-1FE2F41D9C35}" dt="2017-11-09T11:23:38.763" v="89" actId="20577"/>
+        <pc:sldMkLst>
+          <pc:docMk/>
+          <pc:sldMk cId="3759650728" sldId="257"/>
+        </pc:sldMkLst>
+        <pc:spChg chg="mod">
+          <ac:chgData name="Mark Shelton" userId="4ffce2ed1cf6c3ec" providerId="LiveId" clId="{6DD0A6CE-ED5A-4EEF-A442-1FE2F41D9C35}" dt="2017-11-09T11:23:38.763" v="89" actId="20577"/>
+          <ac:spMkLst>
+            <pc:docMk/>
+            <pc:sldMk cId="3759650728" sldId="257"/>
+            <ac:spMk id="3" creationId="{6F4A8B36-DC71-4821-ABE9-B38AFCCC9337}"/>
+          </ac:spMkLst>
+        </pc:spChg>
+      </pc:sldChg>
+    </pc:docChg>
+  </pc:docChgLst>
   <pc:docChgLst>
     <pc:chgData name="Mark Shelton" userId="4ffce2ed1cf6c3ec" providerId="LiveId" clId="{7CD7FB52-E18B-4137-B3A7-C40B476FFC69}"/>
     <pc:docChg chg="undo custSel addSld delSld modSld sldOrd">
@@ -140,13 +169,13 @@
         <pc:docMk/>
       </pc:docMkLst>
       <pc:sldChg chg="modSp">
-        <pc:chgData name="Mark Shelton" userId="4ffce2ed1cf6c3ec" providerId="LiveId" clId="{7CD7FB52-E18B-4137-B3A7-C40B476FFC69}" dt="2017-11-09T09:49:06.771" v="886"/>
+        <pc:chgData name="Mark Shelton" userId="4ffce2ed1cf6c3ec" providerId="LiveId" clId="{7CD7FB52-E18B-4137-B3A7-C40B476FFC69}" dt="2017-11-09T09:49:06.771" v="886" actId="20577"/>
         <pc:sldMkLst>
           <pc:docMk/>
           <pc:sldMk cId="2950954067" sldId="256"/>
         </pc:sldMkLst>
         <pc:spChg chg="mod">
-          <ac:chgData name="Mark Shelton" userId="4ffce2ed1cf6c3ec" providerId="LiveId" clId="{7CD7FB52-E18B-4137-B3A7-C40B476FFC69}" dt="2017-11-09T09:49:06.771" v="886"/>
+          <ac:chgData name="Mark Shelton" userId="4ffce2ed1cf6c3ec" providerId="LiveId" clId="{7CD7FB52-E18B-4137-B3A7-C40B476FFC69}" dt="2017-11-09T09:49:06.771" v="886" actId="20577"/>
           <ac:spMkLst>
             <pc:docMk/>
             <pc:sldMk cId="2950954067" sldId="256"/>
@@ -7273,51 +7302,58 @@
               <a:buNone/>
             </a:pPr>
             <a:r>
-              <a:rPr lang="en-AU" sz="4400" b="1" dirty="0">
+              <a:rPr lang="en-AU" sz="4000" b="1" dirty="0">
                 <a:latin typeface="Consolas" panose="020B0609020204030204" pitchFamily="49" charset="0"/>
               </a:rPr>
               <a:t>git </a:t>
             </a:r>
             <a:r>
-              <a:rPr lang="en-AU" sz="4400" dirty="0">
+              <a:rPr lang="en-AU" sz="4000" dirty="0">
                 <a:latin typeface="Consolas" panose="020B0609020204030204" pitchFamily="49" charset="0"/>
               </a:rPr>
               <a:t>clone</a:t>
             </a:r>
             <a:r>
-              <a:rPr lang="en-AU" sz="4400" b="1" dirty="0">
+              <a:rPr lang="en-AU" sz="4000" b="1" dirty="0">
                 <a:latin typeface="Consolas" panose="020B0609020204030204" pitchFamily="49" charset="0"/>
               </a:rPr>
               <a:t> </a:t>
             </a:r>
             <a:r>
-              <a:rPr lang="en-AU" sz="4400" u="sng" dirty="0">
+              <a:rPr lang="en-AU" sz="4000" u="sng" dirty="0">
                 <a:latin typeface="Consolas" panose="020B0609020204030204" pitchFamily="49" charset="0"/>
                 <a:hlinkClick r:id="rId2"/>
               </a:rPr>
               <a:t>https://github.com/</a:t>
             </a:r>
             <a:br>
-              <a:rPr lang="en-AU" sz="4400" u="sng" dirty="0">
+              <a:rPr lang="en-AU" sz="4000" u="sng" dirty="0">
                 <a:latin typeface="Consolas" panose="020B0609020204030204" pitchFamily="49" charset="0"/>
                 <a:hlinkClick r:id="rId2"/>
               </a:rPr>
             </a:br>
             <a:r>
-              <a:rPr lang="en-AU" sz="4400" u="sng" dirty="0">
+              <a:rPr lang="en-AU" sz="4000" u="sng" dirty="0" err="1">
                 <a:latin typeface="Consolas" panose="020B0609020204030204" pitchFamily="49" charset="0"/>
                 <a:hlinkClick r:id="rId2"/>
               </a:rPr>
-              <a:t>FP-UWA/</a:t>
-            </a:r>
-            <a:r>
-              <a:rPr lang="en-AU" sz="4400" u="sng" dirty="0" err="1">
+              <a:t>fp-uwa</a:t>
+            </a:r>
+            <a:r>
+              <a:rPr lang="en-AU" sz="4000" u="sng" dirty="0">
                 <a:latin typeface="Consolas" panose="020B0609020204030204" pitchFamily="49" charset="0"/>
                 <a:hlinkClick r:id="rId2"/>
               </a:rPr>
-              <a:t>fp-uwa-talks.git</a:t>
-            </a:r>
-            <a:endParaRPr lang="en-AU" sz="4400" u="sng" dirty="0">
+              <a:t>/getting-started-</a:t>
+            </a:r>
+            <a:r>
+              <a:rPr lang="en-AU" sz="4000" u="sng" dirty="0" err="1">
+                <a:latin typeface="Consolas" panose="020B0609020204030204" pitchFamily="49" charset="0"/>
+                <a:hlinkClick r:id="rId2"/>
+              </a:rPr>
+              <a:t>javascript.git</a:t>
+            </a:r>
+            <a:endParaRPr lang="en-AU" sz="4000" u="sng" dirty="0">
               <a:latin typeface="Consolas" panose="020B0609020204030204" pitchFamily="49" charset="0"/>
             </a:endParaRPr>
           </a:p>
@@ -7326,13 +7362,39 @@
               <a:buNone/>
             </a:pPr>
             <a:r>
-              <a:rPr lang="en-AU" sz="4400" b="1" dirty="0">
+              <a:rPr lang="en-AU" sz="4000" b="1">
+                <a:latin typeface="Consolas" panose="020B0609020204030204" pitchFamily="49" charset="0"/>
+              </a:rPr>
+              <a:t>cd </a:t>
+            </a:r>
+            <a:r>
+              <a:rPr lang="en-AU" sz="4000" dirty="0">
+                <a:latin typeface="Consolas" panose="020B0609020204030204" pitchFamily="49" charset="0"/>
+              </a:rPr>
+              <a:t>getting-started-</a:t>
+            </a:r>
+            <a:r>
+              <a:rPr lang="en-AU" sz="4000" dirty="0" err="1">
+                <a:latin typeface="Consolas" panose="020B0609020204030204" pitchFamily="49" charset="0"/>
+              </a:rPr>
+              <a:t>javascript</a:t>
+            </a:r>
+            <a:endParaRPr lang="en-AU" sz="4000" b="1" dirty="0">
+              <a:latin typeface="Consolas" panose="020B0609020204030204" pitchFamily="49" charset="0"/>
+            </a:endParaRPr>
+          </a:p>
+          <a:p>
+            <a:pPr marL="0" indent="0">
+              <a:buNone/>
+            </a:pPr>
+            <a:r>
+              <a:rPr lang="en-AU" sz="4000" b="1" dirty="0">
                 <a:latin typeface="Consolas" panose="020B0609020204030204" pitchFamily="49" charset="0"/>
               </a:rPr>
               <a:t>npm </a:t>
             </a:r>
             <a:r>
-              <a:rPr lang="en-AU" sz="4400" dirty="0">
+              <a:rPr lang="en-AU" sz="4000" dirty="0">
                 <a:latin typeface="Consolas" panose="020B0609020204030204" pitchFamily="49" charset="0"/>
               </a:rPr>
               <a:t>install</a:t>
@@ -7343,31 +7405,31 @@
               <a:buNone/>
             </a:pPr>
             <a:r>
-              <a:rPr lang="en-AU" sz="4400" b="1" dirty="0">
+              <a:rPr lang="en-AU" sz="4000" b="1" dirty="0">
                 <a:latin typeface="Consolas" panose="020B0609020204030204" pitchFamily="49" charset="0"/>
               </a:rPr>
               <a:t>npm </a:t>
             </a:r>
             <a:r>
-              <a:rPr lang="en-AU" sz="4400" dirty="0">
+              <a:rPr lang="en-AU" sz="4000" dirty="0">
                 <a:latin typeface="Consolas" panose="020B0609020204030204" pitchFamily="49" charset="0"/>
               </a:rPr>
               <a:t>install</a:t>
             </a:r>
             <a:r>
-              <a:rPr lang="en-AU" sz="4400" b="1" dirty="0">
+              <a:rPr lang="en-AU" sz="4000" b="1" dirty="0">
                 <a:latin typeface="Consolas" panose="020B0609020204030204" pitchFamily="49" charset="0"/>
               </a:rPr>
               <a:t> </a:t>
             </a:r>
             <a:r>
-              <a:rPr lang="en-AU" sz="4400" i="1" dirty="0">
+              <a:rPr lang="en-AU" sz="4000" i="1" dirty="0">
                 <a:latin typeface="Consolas" panose="020B0609020204030204" pitchFamily="49" charset="0"/>
               </a:rPr>
               <a:t>-g</a:t>
             </a:r>
             <a:r>
-              <a:rPr lang="en-AU" sz="4400" dirty="0">
+              <a:rPr lang="en-AU" sz="4000" dirty="0">
                 <a:latin typeface="Consolas" panose="020B0609020204030204" pitchFamily="49" charset="0"/>
               </a:rPr>
               <a:t> npx</a:t>
